--- a/presentations/IETF100/IETF100-LISP-IOAM.pptx
+++ b/presentations/IETF100/IETF100-LISP-IOAM.pptx
@@ -12,7 +12,7 @@
   </p:handoutMasterIdLst>
   <p:sldIdLst>
     <p:sldId id="457" r:id="rId2"/>
-    <p:sldId id="666" r:id="rId3"/>
+    <p:sldId id="669" r:id="rId3"/>
     <p:sldId id="668" r:id="rId4"/>
     <p:sldId id="667" r:id="rId5"/>
     <p:sldId id="665" r:id="rId6"/>
@@ -300,7 +300,7 @@
               <a:pPr>
                 <a:defRPr/>
               </a:pPr>
-              <a:t>11/8/2017</a:t>
+              <a:t>11/13/17</a:t>
             </a:fld>
             <a:endParaRPr lang="en-US"/>
           </a:p>
@@ -523,7 +523,7 @@
               <a:pPr>
                 <a:defRPr/>
               </a:pPr>
-              <a:t>11/8/2017</a:t>
+              <a:t>11/13/17</a:t>
             </a:fld>
             <a:endParaRPr lang="en-US"/>
           </a:p>
@@ -1569,7 +1569,7 @@
               </a14:hiddenLine>
             </a:ext>
             <a:ext uri="{FAA26D3D-D897-4be2-8F04-BA451C77F1D7}">
-              <ma14:placeholderFlag xmlns="" xmlns:ma14="http://schemas.microsoft.com/office/mac/drawingml/2011/main" val="1"/>
+              <ma14:placeholderFlag xmlns:ma14="http://schemas.microsoft.com/office/mac/drawingml/2011/main" val="1"/>
             </a:ext>
           </a:extLst>
         </p:spPr>
@@ -1964,7 +1964,7 @@
               </a14:hiddenLine>
             </a:ext>
             <a:ext uri="{FAA26D3D-D897-4be2-8F04-BA451C77F1D7}">
-              <ma14:placeholderFlag xmlns="" xmlns:ma14="http://schemas.microsoft.com/office/mac/drawingml/2011/main" val="1"/>
+              <ma14:placeholderFlag xmlns:ma14="http://schemas.microsoft.com/office/mac/drawingml/2011/main" val="1"/>
             </a:ext>
           </a:extLst>
         </p:spPr>
@@ -3627,7 +3627,7 @@
               </a14:hiddenLine>
             </a:ext>
             <a:ext uri="{FAA26D3D-D897-4be2-8F04-BA451C77F1D7}">
-              <ma14:placeholderFlag xmlns="" xmlns:ma14="http://schemas.microsoft.com/office/mac/drawingml/2011/main" val="1"/>
+              <ma14:placeholderFlag xmlns:ma14="http://schemas.microsoft.com/office/mac/drawingml/2011/main" val="1"/>
             </a:ext>
           </a:extLst>
         </p:spPr>
@@ -3722,7 +3722,7 @@
               </a14:hiddenLine>
             </a:ext>
             <a:ext uri="{FAA26D3D-D897-4be2-8F04-BA451C77F1D7}">
-              <ma14:placeholderFlag xmlns="" xmlns:ma14="http://schemas.microsoft.com/office/mac/drawingml/2011/main" val="1"/>
+              <ma14:placeholderFlag xmlns:ma14="http://schemas.microsoft.com/office/mac/drawingml/2011/main" val="1"/>
             </a:ext>
           </a:extLst>
         </p:spPr>
@@ -4256,7 +4256,7 @@
               </a14:hiddenLine>
             </a:ext>
             <a:ext uri="{FAA26D3D-D897-4be2-8F04-BA451C77F1D7}">
-              <ma14:placeholderFlag xmlns="" xmlns:ma14="http://schemas.microsoft.com/office/mac/drawingml/2011/main" val="1"/>
+              <ma14:placeholderFlag xmlns:ma14="http://schemas.microsoft.com/office/mac/drawingml/2011/main" val="1"/>
             </a:ext>
           </a:extLst>
         </p:spPr>
@@ -4466,7 +4466,7 @@
               </a14:hiddenLine>
             </a:ext>
             <a:ext uri="{FAA26D3D-D897-4be2-8F04-BA451C77F1D7}">
-              <ma14:placeholderFlag xmlns="" xmlns:ma14="http://schemas.microsoft.com/office/mac/drawingml/2011/main" val="1"/>
+              <ma14:placeholderFlag xmlns:ma14="http://schemas.microsoft.com/office/mac/drawingml/2011/main" val="1"/>
             </a:ext>
           </a:extLst>
         </p:spPr>
@@ -5037,7 +5037,7 @@
               </a14:hiddenLine>
             </a:ext>
             <a:ext uri="{FAA26D3D-D897-4be2-8F04-BA451C77F1D7}">
-              <ma14:placeholderFlag xmlns="" xmlns:ma14="http://schemas.microsoft.com/office/mac/drawingml/2011/main" val="1"/>
+              <ma14:placeholderFlag xmlns:ma14="http://schemas.microsoft.com/office/mac/drawingml/2011/main" val="1"/>
             </a:ext>
           </a:extLst>
         </p:spPr>
@@ -5257,7 +5257,7 @@
               </a14:hiddenLine>
             </a:ext>
             <a:ext uri="{FAA26D3D-D897-4be2-8F04-BA451C77F1D7}">
-              <ma14:placeholderFlag xmlns="" xmlns:ma14="http://schemas.microsoft.com/office/mac/drawingml/2011/main" val="1"/>
+              <ma14:placeholderFlag xmlns:ma14="http://schemas.microsoft.com/office/mac/drawingml/2011/main" val="1"/>
             </a:ext>
           </a:extLst>
         </p:spPr>
@@ -6107,7 +6107,7 @@
               </a14:hiddenLine>
             </a:ext>
             <a:ext uri="{FAA26D3D-D897-4be2-8F04-BA451C77F1D7}">
-              <ma14:placeholderFlag xmlns="" xmlns:ma14="http://schemas.microsoft.com/office/mac/drawingml/2011/main" val="1"/>
+              <ma14:placeholderFlag xmlns:ma14="http://schemas.microsoft.com/office/mac/drawingml/2011/main" val="1"/>
             </a:ext>
           </a:extLst>
         </p:spPr>
@@ -9715,7 +9715,7 @@
               </a14:hiddenLine>
             </a:ext>
             <a:ext uri="{FAA26D3D-D897-4be2-8F04-BA451C77F1D7}">
-              <ma14:placeholderFlag xmlns="" xmlns:ma14="http://schemas.microsoft.com/office/mac/drawingml/2011/main" val="1"/>
+              <ma14:placeholderFlag xmlns:ma14="http://schemas.microsoft.com/office/mac/drawingml/2011/main" val="1"/>
             </a:ext>
           </a:extLst>
         </p:spPr>
@@ -9931,7 +9931,7 @@
               </a14:hiddenLine>
             </a:ext>
             <a:ext uri="{FAA26D3D-D897-4be2-8F04-BA451C77F1D7}">
-              <ma14:placeholderFlag xmlns="" xmlns:ma14="http://schemas.microsoft.com/office/mac/drawingml/2011/main" val="1"/>
+              <ma14:placeholderFlag xmlns:ma14="http://schemas.microsoft.com/office/mac/drawingml/2011/main" val="1"/>
             </a:ext>
           </a:extLst>
         </p:spPr>
@@ -10147,7 +10147,7 @@
               </a14:hiddenLine>
             </a:ext>
             <a:ext uri="{FAA26D3D-D897-4be2-8F04-BA451C77F1D7}">
-              <ma14:placeholderFlag xmlns="" xmlns:ma14="http://schemas.microsoft.com/office/mac/drawingml/2011/main" val="1"/>
+              <ma14:placeholderFlag xmlns:ma14="http://schemas.microsoft.com/office/mac/drawingml/2011/main" val="1"/>
             </a:ext>
           </a:extLst>
         </p:spPr>
@@ -10558,7 +10558,7 @@
               </a14:hiddenLine>
             </a:ext>
             <a:ext uri="{FAA26D3D-D897-4be2-8F04-BA451C77F1D7}">
-              <ma14:placeholderFlag xmlns="" xmlns:ma14="http://schemas.microsoft.com/office/mac/drawingml/2011/main" val="1"/>
+              <ma14:placeholderFlag xmlns:ma14="http://schemas.microsoft.com/office/mac/drawingml/2011/main" val="1"/>
             </a:ext>
           </a:extLst>
         </p:spPr>
@@ -11264,27 +11264,7 @@
                   </a:schemeClr>
                 </a:solidFill>
               </a:rPr>
-              <a:t>In-situ OAM (IOAM) in </a:t>
-            </a:r>
-            <a:r>
-              <a:rPr lang="en-US" sz="3600" dirty="0" smtClean="0">
-                <a:solidFill>
-                  <a:schemeClr val="tx1">
-                    <a:lumMod val="50000"/>
-                  </a:schemeClr>
-                </a:solidFill>
-              </a:rPr>
-              <a:t>VXLAN-GPE</a:t>
-            </a:r>
-            <a:r>
-              <a:rPr lang="en-US" sz="3600" dirty="0" smtClean="0">
-                <a:solidFill>
-                  <a:schemeClr val="tx1">
-                    <a:lumMod val="50000"/>
-                  </a:schemeClr>
-                </a:solidFill>
-              </a:rPr>
-              <a:t/>
+              <a:t>In-situ OAM (IOAM) in VXLAN-GPE</a:t>
             </a:r>
             <a:br>
               <a:rPr lang="en-US" sz="3600" dirty="0" smtClean="0">
@@ -11421,19 +11401,7 @@
             </a:br>
             <a:r>
               <a:rPr lang="en-US" sz="1200" dirty="0" smtClean="0"/>
-              <a:t>IETF 100 – </a:t>
-            </a:r>
-            <a:r>
-              <a:rPr lang="en-US" sz="1200" dirty="0" smtClean="0"/>
-              <a:t>LISP</a:t>
-            </a:r>
-            <a:r>
-              <a:rPr lang="en-US" sz="1200" dirty="0" smtClean="0"/>
-              <a:t>; November, </a:t>
-            </a:r>
-            <a:r>
-              <a:rPr lang="en-US" sz="1200" dirty="0" smtClean="0"/>
-              <a:t>2017</a:t>
+              <a:t>IETF 100 – LISP; November, 2017</a:t>
             </a:r>
             <a:endParaRPr lang="en-US" sz="1200" dirty="0"/>
           </a:p>
@@ -11902,7 +11870,7 @@
                   </a:srgbClr>
                 </a:solidFill>
               </a:rPr>
-              <a:t> extra probe-traffic (as with ping, trace, </a:t>
+              <a:t> extra probe-traffic (as with ping, trace</a:t>
             </a:r>
             <a:r>
               <a:rPr lang="en-US" sz="1200" kern="0" dirty="0" smtClean="0">
@@ -11912,15 +11880,8 @@
                   </a:srgbClr>
                 </a:solidFill>
               </a:rPr>
-              <a:t>..)</a:t>
-            </a:r>
-            <a:endParaRPr lang="en-US" sz="1200" kern="0" dirty="0" smtClean="0">
-              <a:solidFill>
-                <a:srgbClr val="676767">
-                  <a:lumMod val="50000"/>
-                </a:srgbClr>
-              </a:solidFill>
-            </a:endParaRPr>
+              <a:t>, ..)</a:t>
+            </a:r>
           </a:p>
           <a:p>
             <a:pPr lvl="1" indent="-185738" defTabSz="914400">
@@ -11937,16 +11898,18 @@
                   </a:srgbClr>
                 </a:solidFill>
               </a:rPr>
-              <a:t>“Hybrid, Type-1 OAM” per RFC 7799</a:t>
-            </a:r>
-          </a:p>
-          <a:p>
-            <a:pPr lvl="1" indent="-185738" defTabSz="914400">
-              <a:spcBef>
-                <a:spcPts val="1200"/>
-              </a:spcBef>
-              <a:defRPr/>
-            </a:pPr>
+              <a:t>“Hybrid, Type-1 OAM” per RFC </a:t>
+            </a:r>
+            <a:r>
+              <a:rPr lang="en-US" sz="1200" kern="0" dirty="0" smtClean="0">
+                <a:solidFill>
+                  <a:srgbClr val="676767">
+                    <a:lumMod val="50000"/>
+                  </a:srgbClr>
+                </a:solidFill>
+              </a:rPr>
+              <a:t>7799</a:t>
+            </a:r>
             <a:endParaRPr lang="en-US" kern="0" dirty="0">
               <a:solidFill>
                 <a:srgbClr val="676767">
@@ -12016,13 +11979,18 @@
                   </a:srgbClr>
                 </a:solidFill>
               </a:rPr>
-              <a:t>sequence numbers, ...</a:t>
-            </a:r>
-          </a:p>
-          <a:p>
-            <a:pPr lvl="1" defTabSz="914400">
-              <a:defRPr/>
-            </a:pPr>
+              <a:t>sequence numbers, </a:t>
+            </a:r>
+            <a:r>
+              <a:rPr lang="de-DE" sz="1200" kern="0" dirty="0" smtClean="0">
+                <a:solidFill>
+                  <a:srgbClr val="676767">
+                    <a:lumMod val="50000"/>
+                  </a:srgbClr>
+                </a:solidFill>
+              </a:rPr>
+              <a:t>...</a:t>
+            </a:r>
             <a:endParaRPr lang="de-DE" sz="1200" kern="0" dirty="0" smtClean="0">
               <a:solidFill>
                 <a:srgbClr val="676767">
@@ -12084,8 +12052,123 @@
                   </a:srgbClr>
                 </a:solidFill>
               </a:rPr>
-              <a:t>IPv6, SRv6, NSH, GRE, Geneve, VXLAN-GPE ...</a:t>
-            </a:r>
+              <a:t>IPv6, SRv6, NSH, GRE, Geneve, VXLAN-GPE </a:t>
+            </a:r>
+            <a:r>
+              <a:rPr lang="de-DE" sz="1200" kern="0" dirty="0" smtClean="0">
+                <a:solidFill>
+                  <a:srgbClr val="676767">
+                    <a:lumMod val="50000"/>
+                  </a:srgbClr>
+                </a:solidFill>
+              </a:rPr>
+              <a:t>...</a:t>
+            </a:r>
+            <a:endParaRPr lang="de-DE" sz="1200" kern="0" dirty="0">
+              <a:solidFill>
+                <a:srgbClr val="676767">
+                  <a:lumMod val="50000"/>
+                </a:srgbClr>
+              </a:solidFill>
+            </a:endParaRPr>
+          </a:p>
+          <a:p>
+            <a:pPr defTabSz="914400">
+              <a:defRPr/>
+            </a:pPr>
+            <a:r>
+              <a:rPr lang="de-DE" sz="1400" i="1" kern="0" dirty="0" smtClean="0">
+                <a:solidFill>
+                  <a:srgbClr val="676767">
+                    <a:lumMod val="50000"/>
+                  </a:srgbClr>
+                </a:solidFill>
+              </a:rPr>
+              <a:t>Base IOAM </a:t>
+            </a:r>
+            <a:r>
+              <a:rPr lang="de-DE" sz="1400" i="1" kern="0" dirty="0" err="1" smtClean="0">
+                <a:solidFill>
+                  <a:srgbClr val="676767">
+                    <a:lumMod val="50000"/>
+                  </a:srgbClr>
+                </a:solidFill>
+              </a:rPr>
+              <a:t>document</a:t>
+            </a:r>
+            <a:r>
+              <a:rPr lang="de-DE" sz="1400" i="1" kern="0" dirty="0" smtClean="0">
+                <a:solidFill>
+                  <a:srgbClr val="676767">
+                    <a:lumMod val="50000"/>
+                  </a:srgbClr>
+                </a:solidFill>
+              </a:rPr>
+              <a:t> </a:t>
+            </a:r>
+            <a:r>
+              <a:rPr lang="de-DE" sz="1400" i="1" kern="0" dirty="0" err="1" smtClean="0">
+                <a:solidFill>
+                  <a:srgbClr val="676767">
+                    <a:lumMod val="50000"/>
+                  </a:srgbClr>
+                </a:solidFill>
+              </a:rPr>
+              <a:t>adopted</a:t>
+            </a:r>
+            <a:r>
+              <a:rPr lang="de-DE" sz="1400" i="1" kern="0" dirty="0" smtClean="0">
+                <a:solidFill>
+                  <a:srgbClr val="676767">
+                    <a:lumMod val="50000"/>
+                  </a:srgbClr>
+                </a:solidFill>
+              </a:rPr>
+              <a:t> </a:t>
+            </a:r>
+            <a:r>
+              <a:rPr lang="de-DE" sz="1400" i="1" kern="0" dirty="0" err="1" smtClean="0">
+                <a:solidFill>
+                  <a:srgbClr val="676767">
+                    <a:lumMod val="50000"/>
+                  </a:srgbClr>
+                </a:solidFill>
+              </a:rPr>
+              <a:t>by</a:t>
+            </a:r>
+            <a:r>
+              <a:rPr lang="de-DE" sz="1400" i="1" kern="0" dirty="0" smtClean="0">
+                <a:solidFill>
+                  <a:srgbClr val="676767">
+                    <a:lumMod val="50000"/>
+                  </a:srgbClr>
+                </a:solidFill>
+              </a:rPr>
+              <a:t> IPPM!</a:t>
+            </a:r>
+          </a:p>
+          <a:p>
+            <a:pPr lvl="1" defTabSz="914400">
+              <a:defRPr/>
+            </a:pPr>
+            <a:r>
+              <a:rPr lang="de-DE" sz="1200" i="1" kern="0" dirty="0" smtClean="0">
+                <a:solidFill>
+                  <a:srgbClr val="676767">
+                    <a:lumMod val="50000"/>
+                  </a:srgbClr>
+                </a:solidFill>
+                <a:hlinkClick r:id="rId2"/>
+              </a:rPr>
+              <a:t>draft-ietf-ippm-ioam-data-01</a:t>
+            </a:r>
+            <a:endParaRPr lang="de-DE" sz="1200" i="1" kern="0" dirty="0">
+              <a:solidFill>
+                <a:srgbClr val="676767">
+                  <a:lumMod val="50000"/>
+                </a:srgbClr>
+              </a:solidFill>
+            </a:endParaRPr>
           </a:p>
         </p:txBody>
       </p:sp>
@@ -12402,7 +12485,7 @@
           <p:nvPr/>
         </p:nvPicPr>
         <p:blipFill>
-          <a:blip r:embed="rId2">
+          <a:blip r:embed="rId3">
             <a:duotone>
               <a:schemeClr val="accent5">
                 <a:shade val="45000"/>
@@ -12743,7 +12826,7 @@
     </p:spTree>
     <p:extLst>
       <p:ext uri="{BB962C8B-B14F-4D97-AF65-F5344CB8AC3E}">
-        <p14:creationId xmlns:p14="http://schemas.microsoft.com/office/powerpoint/2010/main" val="3559108543"/>
+        <p14:creationId xmlns:p14="http://schemas.microsoft.com/office/powerpoint/2010/main" val="628235732"/>
       </p:ext>
     </p:extLst>
   </p:cSld>
@@ -16380,100 +16463,20 @@
                   </a:schemeClr>
                 </a:solidFill>
               </a:rPr>
-              <a:t>IOAM </a:t>
-            </a:r>
-            <a:r>
-              <a:rPr lang="en-US" sz="1600" dirty="0" smtClean="0">
+              <a:t>IOAM in VXLAN-GPE in LISP WG</a:t>
+            </a:r>
+          </a:p>
+          <a:p>
+            <a:pPr lvl="1"/>
+            <a:r>
+              <a:rPr lang="en-US" sz="1400" dirty="0" smtClean="0">
                 <a:solidFill>
                   <a:schemeClr val="tx1">
                     <a:lumMod val="50000"/>
                   </a:schemeClr>
                 </a:solidFill>
               </a:rPr>
-              <a:t>in </a:t>
-            </a:r>
-            <a:r>
-              <a:rPr lang="en-US" sz="1600" dirty="0" smtClean="0">
-                <a:solidFill>
-                  <a:schemeClr val="tx1">
-                    <a:lumMod val="50000"/>
-                  </a:schemeClr>
-                </a:solidFill>
-              </a:rPr>
-              <a:t>VXLAN-GPE</a:t>
-            </a:r>
-            <a:r>
-              <a:rPr lang="en-US" sz="1600" dirty="0" smtClean="0">
-                <a:solidFill>
-                  <a:schemeClr val="tx1">
-                    <a:lumMod val="50000"/>
-                  </a:schemeClr>
-                </a:solidFill>
-              </a:rPr>
-              <a:t> </a:t>
-            </a:r>
-            <a:r>
-              <a:rPr lang="en-US" sz="1600" dirty="0" smtClean="0">
-                <a:solidFill>
-                  <a:schemeClr val="tx1">
-                    <a:lumMod val="50000"/>
-                  </a:schemeClr>
-                </a:solidFill>
-              </a:rPr>
-              <a:t>in </a:t>
-            </a:r>
-            <a:r>
-              <a:rPr lang="en-US" sz="1600" dirty="0" smtClean="0">
-                <a:solidFill>
-                  <a:schemeClr val="tx1">
-                    <a:lumMod val="50000"/>
-                  </a:schemeClr>
-                </a:solidFill>
-              </a:rPr>
-              <a:t>LISP </a:t>
-            </a:r>
-            <a:r>
-              <a:rPr lang="en-US" sz="1600" dirty="0" smtClean="0">
-                <a:solidFill>
-                  <a:schemeClr val="tx1">
-                    <a:lumMod val="50000"/>
-                  </a:schemeClr>
-                </a:solidFill>
-              </a:rPr>
-              <a:t>WG</a:t>
-            </a:r>
-          </a:p>
-          <a:p>
-            <a:pPr lvl="1"/>
-            <a:r>
-              <a:rPr lang="en-US" sz="1400" dirty="0" smtClean="0">
-                <a:solidFill>
-                  <a:schemeClr val="tx1">
-                    <a:lumMod val="50000"/>
-                  </a:schemeClr>
-                </a:solidFill>
-              </a:rPr>
-              <a:t>Feedback from </a:t>
-            </a:r>
-            <a:r>
-              <a:rPr lang="en-US" sz="1400" dirty="0" smtClean="0">
-                <a:solidFill>
-                  <a:schemeClr val="tx1">
-                    <a:lumMod val="50000"/>
-                  </a:schemeClr>
-                </a:solidFill>
-              </a:rPr>
-              <a:t>LISP </a:t>
-            </a:r>
-            <a:r>
-              <a:rPr lang="en-US" sz="1400" dirty="0" smtClean="0">
-                <a:solidFill>
-                  <a:schemeClr val="tx1">
-                    <a:lumMod val="50000"/>
-                  </a:schemeClr>
-                </a:solidFill>
-              </a:rPr>
-              <a:t>WG appreciated, especially on open questions</a:t>
+              <a:t>Feedback from LISP WG appreciated, especially on open questions</a:t>
             </a:r>
           </a:p>
           <a:p>
